--- a/期末驗收/B/G04_陳琮文.pptx
+++ b/期末驗收/B/G04_陳琮文.pptx
@@ -262,7 +262,7 @@
           <a:p>
             <a:fld id="{8931FD66-0D9C-46E6-8D3B-F51CA2AF883C}" type="datetimeFigureOut">
               <a:rPr lang="zh-TW" altLang="en-US" smtClean="0"/>
-              <a:t>2021/5/23</a:t>
+              <a:t>2021/5/30</a:t>
             </a:fld>
             <a:endParaRPr lang="zh-TW" altLang="en-US"/>
           </a:p>
@@ -460,7 +460,7 @@
           <a:p>
             <a:fld id="{8931FD66-0D9C-46E6-8D3B-F51CA2AF883C}" type="datetimeFigureOut">
               <a:rPr lang="zh-TW" altLang="en-US" smtClean="0"/>
-              <a:t>2021/5/23</a:t>
+              <a:t>2021/5/30</a:t>
             </a:fld>
             <a:endParaRPr lang="zh-TW" altLang="en-US"/>
           </a:p>
@@ -668,7 +668,7 @@
           <a:p>
             <a:fld id="{8931FD66-0D9C-46E6-8D3B-F51CA2AF883C}" type="datetimeFigureOut">
               <a:rPr lang="zh-TW" altLang="en-US" smtClean="0"/>
-              <a:t>2021/5/23</a:t>
+              <a:t>2021/5/30</a:t>
             </a:fld>
             <a:endParaRPr lang="zh-TW" altLang="en-US"/>
           </a:p>
@@ -866,7 +866,7 @@
           <a:p>
             <a:fld id="{8931FD66-0D9C-46E6-8D3B-F51CA2AF883C}" type="datetimeFigureOut">
               <a:rPr lang="zh-TW" altLang="en-US" smtClean="0"/>
-              <a:t>2021/5/23</a:t>
+              <a:t>2021/5/30</a:t>
             </a:fld>
             <a:endParaRPr lang="zh-TW" altLang="en-US"/>
           </a:p>
@@ -1141,7 +1141,7 @@
           <a:p>
             <a:fld id="{8931FD66-0D9C-46E6-8D3B-F51CA2AF883C}" type="datetimeFigureOut">
               <a:rPr lang="zh-TW" altLang="en-US" smtClean="0"/>
-              <a:t>2021/5/23</a:t>
+              <a:t>2021/5/30</a:t>
             </a:fld>
             <a:endParaRPr lang="zh-TW" altLang="en-US"/>
           </a:p>
@@ -1406,7 +1406,7 @@
           <a:p>
             <a:fld id="{8931FD66-0D9C-46E6-8D3B-F51CA2AF883C}" type="datetimeFigureOut">
               <a:rPr lang="zh-TW" altLang="en-US" smtClean="0"/>
-              <a:t>2021/5/23</a:t>
+              <a:t>2021/5/30</a:t>
             </a:fld>
             <a:endParaRPr lang="zh-TW" altLang="en-US"/>
           </a:p>
@@ -1818,7 +1818,7 @@
           <a:p>
             <a:fld id="{8931FD66-0D9C-46E6-8D3B-F51CA2AF883C}" type="datetimeFigureOut">
               <a:rPr lang="zh-TW" altLang="en-US" smtClean="0"/>
-              <a:t>2021/5/23</a:t>
+              <a:t>2021/5/30</a:t>
             </a:fld>
             <a:endParaRPr lang="zh-TW" altLang="en-US"/>
           </a:p>
@@ -1959,7 +1959,7 @@
           <a:p>
             <a:fld id="{8931FD66-0D9C-46E6-8D3B-F51CA2AF883C}" type="datetimeFigureOut">
               <a:rPr lang="zh-TW" altLang="en-US" smtClean="0"/>
-              <a:t>2021/5/23</a:t>
+              <a:t>2021/5/30</a:t>
             </a:fld>
             <a:endParaRPr lang="zh-TW" altLang="en-US"/>
           </a:p>
@@ -2072,7 +2072,7 @@
           <a:p>
             <a:fld id="{8931FD66-0D9C-46E6-8D3B-F51CA2AF883C}" type="datetimeFigureOut">
               <a:rPr lang="zh-TW" altLang="en-US" smtClean="0"/>
-              <a:t>2021/5/23</a:t>
+              <a:t>2021/5/30</a:t>
             </a:fld>
             <a:endParaRPr lang="zh-TW" altLang="en-US"/>
           </a:p>
@@ -2383,7 +2383,7 @@
           <a:p>
             <a:fld id="{8931FD66-0D9C-46E6-8D3B-F51CA2AF883C}" type="datetimeFigureOut">
               <a:rPr lang="zh-TW" altLang="en-US" smtClean="0"/>
-              <a:t>2021/5/23</a:t>
+              <a:t>2021/5/30</a:t>
             </a:fld>
             <a:endParaRPr lang="zh-TW" altLang="en-US"/>
           </a:p>
@@ -2671,7 +2671,7 @@
           <a:p>
             <a:fld id="{8931FD66-0D9C-46E6-8D3B-F51CA2AF883C}" type="datetimeFigureOut">
               <a:rPr lang="zh-TW" altLang="en-US" smtClean="0"/>
-              <a:t>2021/5/23</a:t>
+              <a:t>2021/5/30</a:t>
             </a:fld>
             <a:endParaRPr lang="zh-TW" altLang="en-US"/>
           </a:p>
@@ -2912,7 +2912,7 @@
           <a:p>
             <a:fld id="{8931FD66-0D9C-46E6-8D3B-F51CA2AF883C}" type="datetimeFigureOut">
               <a:rPr lang="zh-TW" altLang="en-US" smtClean="0"/>
-              <a:t>2021/5/23</a:t>
+              <a:t>2021/5/30</a:t>
             </a:fld>
             <a:endParaRPr lang="zh-TW" altLang="en-US"/>
           </a:p>
@@ -3556,6 +3556,38 @@
                 <a:effectLst/>
                 <a:latin typeface="Helvetica" panose="020B0604020202020204" pitchFamily="34" charset="0"/>
               </a:rPr>
+              <a:t>b. project </a:t>
+            </a:r>
+            <a:r>
+              <a:rPr lang="zh-TW" altLang="en-US" b="0" i="0" dirty="0">
+                <a:solidFill>
+                  <a:srgbClr val="333333"/>
+                </a:solidFill>
+                <a:effectLst/>
+                <a:latin typeface="Helvetica" panose="020B0604020202020204" pitchFamily="34" charset="0"/>
+              </a:rPr>
+              <a:t>執行之</a:t>
+            </a:r>
+            <a:r>
+              <a:rPr lang="en-US" altLang="zh-TW" b="0" i="0" dirty="0">
+                <a:solidFill>
+                  <a:srgbClr val="333333"/>
+                </a:solidFill>
+                <a:effectLst/>
+                <a:latin typeface="Helvetica" panose="020B0604020202020204" pitchFamily="34" charset="0"/>
+              </a:rPr>
+              <a:t>URL</a:t>
+            </a:r>
+          </a:p>
+          <a:p>
+            <a:r>
+              <a:rPr lang="en-US" altLang="zh-TW" b="0" i="0" dirty="0">
+                <a:solidFill>
+                  <a:srgbClr val="333333"/>
+                </a:solidFill>
+                <a:effectLst/>
+                <a:latin typeface="Helvetica" panose="020B0604020202020204" pitchFamily="34" charset="0"/>
+              </a:rPr>
               <a:t>c.</a:t>
             </a:r>
             <a:r>
@@ -3589,7 +3621,7 @@
               <a:t>的</a:t>
             </a:r>
             <a:r>
-              <a:rPr lang="en-US" altLang="zh-TW" b="0" i="0">
+              <a:rPr lang="en-US" altLang="zh-TW" b="0" i="0" dirty="0">
                 <a:solidFill>
                   <a:srgbClr val="333333"/>
                 </a:solidFill>
@@ -3598,13 +3630,6 @@
               </a:rPr>
               <a:t>CRUD</a:t>
             </a:r>
-            <a:endParaRPr lang="en-US" altLang="zh-TW" b="0" i="0" dirty="0">
-              <a:solidFill>
-                <a:srgbClr val="333333"/>
-              </a:solidFill>
-              <a:effectLst/>
-              <a:latin typeface="Helvetica" panose="020B0604020202020204" pitchFamily="34" charset="0"/>
-            </a:endParaRPr>
           </a:p>
           <a:p>
             <a:r>
